--- a/slides/10_exceptions.pptx
+++ b/slides/10_exceptions.pptx
@@ -10025,7 +10025,7 @@
             </a:r>
             <a:r>
               <a:rPr lang="de"/>
-              <a:t> Klasse wieder bereits vorhanden und liegt im Git. Die main-Funktion und eine dubiose Funktion “divide(int[] arr, Object divisor)” sind vorgegeben. Von letzterer ist eigentlich nicht wirklich wichtig was diese macht, denn sie ist in erster Linie extrem schlecht geschrieben und wirft bei passendem Input viele Exceptions.</a:t>
+              <a:t> Klasse bereits vorhanden und liegt im Git. Die main-Funktion und eine dubiose Funktion “divide(int[] arr, Object divisor)” sind vorgegeben. Von letzterer ist eigentlich nicht wirklich wichtig was diese macht, denn sie ist in erster Linie extrem schlecht geschrieben und wirft bei passendem Input viele Exceptions.</a:t>
             </a:r>
             <a:endParaRPr/>
           </a:p>
@@ -10083,7 +10083,7 @@
             </a:pPr>
             <a:r>
               <a:rPr lang="de"/>
-              <a:t>Fange alle Exceptions ab, die durch die Funktionsaufrufe aus der main-Funktion heraus geworfen werden!</a:t>
+              <a:t>Fange alle Exceptions direkt in der divide-Funktion ab, die durch die Funktionsaufrufe aus der main-Funktion heraus geworfen werden!</a:t>
             </a:r>
             <a:endParaRPr/>
           </a:p>
@@ -10100,7 +10100,15 @@
             </a:pPr>
             <a:r>
               <a:rPr lang="de"/>
-              <a:t>Schreibe die Methode so um, dass sie am Ende auf jeden Fall eine “LolExcpetion” wirft. Die musst du selber schreiben! Fange diese Exception in der main-Funktion.</a:t>
+              <a:t>Schreibe die Methode so um, dass sie am Ende auf jeden Fall eine “LolExcpetion” wirft. Die musst du selber schreiben! </a:t>
+            </a:r>
+            <a:r>
+              <a:rPr lang="de"/>
+              <a:t>Es soll möglich sein, der LolException einen String als Nachricht mitzugeben. </a:t>
+            </a:r>
+            <a:r>
+              <a:rPr lang="de"/>
+              <a:t>Fange diese Exception in der main-Funktion. </a:t>
             </a:r>
             <a:endParaRPr/>
           </a:p>
